--- a/companion-website/public/files/Overflow. Reductio Ad Absurdum.pptx
+++ b/companion-website/public/files/Overflow. Reductio Ad Absurdum.pptx
@@ -212,7 +212,7 @@
           <a:p>
             <a:fld id="{8F7EB338-8BB0-B64B-9F79-C87EA24D723F}" type="datetimeFigureOut">
               <a:rPr lang="en-US" smtClean="0"/>
-              <a:t>10/12/20</a:t>
+              <a:t>10/22/20</a:t>
             </a:fld>
             <a:endParaRPr lang="en-US"/>
           </a:p>
@@ -999,7 +999,7 @@
             <a:fld id="{DBE77699-C466-4996-ADED-71C8160E04A2}" type="datetimeFigureOut">
               <a:rPr lang="en-US" smtClean="0"/>
               <a:pPr/>
-              <a:t>10/12/20</a:t>
+              <a:t>10/22/20</a:t>
             </a:fld>
             <a:endParaRPr lang="en-US"/>
           </a:p>
@@ -1164,7 +1164,7 @@
             <a:fld id="{DBE77699-C466-4996-ADED-71C8160E04A2}" type="datetimeFigureOut">
               <a:rPr lang="en-US" smtClean="0"/>
               <a:pPr/>
-              <a:t>10/12/20</a:t>
+              <a:t>10/22/20</a:t>
             </a:fld>
             <a:endParaRPr lang="en-US"/>
           </a:p>
@@ -1339,7 +1339,7 @@
             <a:fld id="{DBE77699-C466-4996-ADED-71C8160E04A2}" type="datetimeFigureOut">
               <a:rPr lang="en-US" smtClean="0"/>
               <a:pPr/>
-              <a:t>10/12/20</a:t>
+              <a:t>10/22/20</a:t>
             </a:fld>
             <a:endParaRPr lang="en-US"/>
           </a:p>
@@ -1504,7 +1504,7 @@
             <a:fld id="{DBE77699-C466-4996-ADED-71C8160E04A2}" type="datetimeFigureOut">
               <a:rPr lang="en-US" smtClean="0"/>
               <a:pPr/>
-              <a:t>10/12/20</a:t>
+              <a:t>10/22/20</a:t>
             </a:fld>
             <a:endParaRPr lang="en-US"/>
           </a:p>
@@ -1746,7 +1746,7 @@
             <a:fld id="{DBE77699-C466-4996-ADED-71C8160E04A2}" type="datetimeFigureOut">
               <a:rPr lang="en-US" smtClean="0"/>
               <a:pPr/>
-              <a:t>10/12/20</a:t>
+              <a:t>10/22/20</a:t>
             </a:fld>
             <a:endParaRPr lang="en-US"/>
           </a:p>
@@ -2028,7 +2028,7 @@
             <a:fld id="{DBE77699-C466-4996-ADED-71C8160E04A2}" type="datetimeFigureOut">
               <a:rPr lang="en-US" smtClean="0"/>
               <a:pPr/>
-              <a:t>10/12/20</a:t>
+              <a:t>10/22/20</a:t>
             </a:fld>
             <a:endParaRPr lang="en-US"/>
           </a:p>
@@ -2444,7 +2444,7 @@
             <a:fld id="{DBE77699-C466-4996-ADED-71C8160E04A2}" type="datetimeFigureOut">
               <a:rPr lang="en-US" smtClean="0"/>
               <a:pPr/>
-              <a:t>10/12/20</a:t>
+              <a:t>10/22/20</a:t>
             </a:fld>
             <a:endParaRPr lang="en-US"/>
           </a:p>
@@ -2558,7 +2558,7 @@
             <a:fld id="{DBE77699-C466-4996-ADED-71C8160E04A2}" type="datetimeFigureOut">
               <a:rPr lang="en-US" smtClean="0"/>
               <a:pPr/>
-              <a:t>10/12/20</a:t>
+              <a:t>10/22/20</a:t>
             </a:fld>
             <a:endParaRPr lang="en-US"/>
           </a:p>
@@ -2650,7 +2650,7 @@
             <a:fld id="{DBE77699-C466-4996-ADED-71C8160E04A2}" type="datetimeFigureOut">
               <a:rPr lang="en-US" smtClean="0"/>
               <a:pPr/>
-              <a:t>10/12/20</a:t>
+              <a:t>10/22/20</a:t>
             </a:fld>
             <a:endParaRPr lang="en-US"/>
           </a:p>
@@ -2922,7 +2922,7 @@
             <a:fld id="{DBE77699-C466-4996-ADED-71C8160E04A2}" type="datetimeFigureOut">
               <a:rPr lang="en-US" smtClean="0"/>
               <a:pPr/>
-              <a:t>10/12/20</a:t>
+              <a:t>10/22/20</a:t>
             </a:fld>
             <a:endParaRPr lang="en-US"/>
           </a:p>
@@ -3171,7 +3171,7 @@
             <a:fld id="{DBE77699-C466-4996-ADED-71C8160E04A2}" type="datetimeFigureOut">
               <a:rPr lang="en-US" smtClean="0"/>
               <a:pPr/>
-              <a:t>10/12/20</a:t>
+              <a:t>10/22/20</a:t>
             </a:fld>
             <a:endParaRPr lang="en-US"/>
           </a:p>
@@ -3382,7 +3382,7 @@
             <a:fld id="{DBE77699-C466-4996-ADED-71C8160E04A2}" type="datetimeFigureOut">
               <a:rPr lang="en-US" smtClean="0"/>
               <a:pPr/>
-              <a:t>10/12/20</a:t>
+              <a:t>10/22/20</a:t>
             </a:fld>
             <a:endParaRPr lang="en-US"/>
           </a:p>
@@ -5715,9 +5715,9 @@
         <p:grpSpPr>
           <a:xfrm>
             <a:off x="533400" y="2895600"/>
-            <a:ext cx="8001000" cy="685800"/>
+            <a:ext cx="8534400" cy="685800"/>
             <a:chOff x="533400" y="2895600"/>
-            <a:chExt cx="8001000" cy="685800"/>
+            <a:chExt cx="8534400" cy="685800"/>
           </a:xfrm>
         </p:grpSpPr>
         <p:sp>
@@ -5794,7 +5794,7 @@
           <p:spPr>
             <a:xfrm>
               <a:off x="1447800" y="2895600"/>
-              <a:ext cx="7086600" cy="685800"/>
+              <a:ext cx="7620000" cy="685800"/>
             </a:xfrm>
             <a:prstGeom prst="rect">
               <a:avLst/>
@@ -5830,7 +5830,7 @@
                     <a:schemeClr val="tx1"/>
                   </a:solidFill>
                 </a:rPr>
-                <a:t>All books were written by people</a:t>
+                <a:t>All books were written by people; no books can be believed</a:t>
               </a:r>
             </a:p>
           </p:txBody>
@@ -5966,7 +5966,7 @@
                     <a:schemeClr val="tx1"/>
                   </a:solidFill>
                 </a:rPr>
-                <a:t>You cannot believe a book written by people</a:t>
+                <a:t>“You cannot believe a book written by people”</a:t>
               </a:r>
             </a:p>
           </p:txBody>
@@ -6102,7 +6102,7 @@
                     <a:schemeClr val="tx1"/>
                   </a:solidFill>
                 </a:rPr>
-                <a:t>Do you believe in </a:t>
+                <a:t>“Do you believe in </a:t>
               </a:r>
               <a:r>
                 <a:rPr lang="en-US" sz="2400" i="1" dirty="0">
@@ -6118,7 +6118,7 @@
                     <a:schemeClr val="tx1"/>
                   </a:solidFill>
                 </a:rPr>
-                <a:t> books?</a:t>
+                <a:t> books?”</a:t>
               </a:r>
             </a:p>
           </p:txBody>
@@ -6609,7 +6609,7 @@
                     <a:schemeClr val="tx1"/>
                   </a:solidFill>
                 </a:rPr>
-                <a:t>What is right and wrong is up to each person</a:t>
+                <a:t>“What is right and wrong is up to each person”</a:t>
               </a:r>
             </a:p>
           </p:txBody>
@@ -6745,7 +6745,7 @@
                     <a:schemeClr val="tx1"/>
                   </a:solidFill>
                 </a:rPr>
-                <a:t>If I think punching you is right, how can you tell me that this is wrong?</a:t>
+                <a:t>“If I think punching you is right, how can you tell me that this is wrong?”</a:t>
               </a:r>
             </a:p>
           </p:txBody>
